--- a/1. Lectures/Introducción a la Optimización aplicada a Sistemas de Energía Eléctrica/Dia 1/1. Presentación.pptx
+++ b/1. Lectures/Introducción a la Optimización aplicada a Sistemas de Energía Eléctrica/Dia 1/1. Presentación.pptx
@@ -246,7 +246,7 @@
             <a:fld id="{20597DA6-5F4F-42D3-8A01-E860A9714D40}" type="datetimeFigureOut">
               <a:rPr lang="es-ES" smtClean="0"/>
               <a:pPr/>
-              <a:t>27/02/2019</a:t>
+              <a:t>28/02/2019</a:t>
             </a:fld>
             <a:endParaRPr lang="es-ES"/>
           </a:p>
@@ -417,7 +417,7 @@
             <a:fld id="{D23D6ABD-B407-4DBB-94E4-3909D8A64036}" type="datetimeFigureOut">
               <a:rPr lang="es-ES" smtClean="0"/>
               <a:pPr/>
-              <a:t>27/02/2019</a:t>
+              <a:t>28/02/2019</a:t>
             </a:fld>
             <a:endParaRPr lang="es-ES"/>
           </a:p>
@@ -5402,7 +5402,11 @@
             </a:pPr>
             <a:r>
               <a:rPr lang="es-PE" dirty="0"/>
-              <a:t>Viernes 15/03 de 16:00 </a:t>
+              <a:t>Viernes 15/03 de </a:t>
+            </a:r>
+            <a:r>
+              <a:rPr lang="es-PE" dirty="0" smtClean="0"/>
+              <a:t>17:00 </a:t>
             </a:r>
             <a:r>
               <a:rPr lang="es-PE" dirty="0" err="1"/>
@@ -5410,8 +5414,17 @@
             </a:r>
             <a:r>
               <a:rPr lang="es-PE" dirty="0"/>
-              <a:t> hasta las 19:00hras</a:t>
-            </a:r>
+              <a:t> hasta </a:t>
+            </a:r>
+            <a:r>
+              <a:rPr lang="es-PE"/>
+              <a:t>las </a:t>
+            </a:r>
+            <a:r>
+              <a:rPr lang="es-PE" smtClean="0"/>
+              <a:t>20:00hras</a:t>
+            </a:r>
+            <a:endParaRPr lang="es-PE" dirty="0"/>
           </a:p>
           <a:p>
             <a:pPr algn="just"/>

--- a/1. Lectures/Introducción a la Optimización aplicada a Sistemas de Energía Eléctrica/Dia 1/1. Presentación.pptx
+++ b/1. Lectures/Introducción a la Optimización aplicada a Sistemas de Energía Eléctrica/Dia 1/1. Presentación.pptx
@@ -246,7 +246,7 @@
             <a:fld id="{20597DA6-5F4F-42D3-8A01-E860A9714D40}" type="datetimeFigureOut">
               <a:rPr lang="es-ES" smtClean="0"/>
               <a:pPr/>
-              <a:t>28/02/2019</a:t>
+              <a:t>12/03/2019</a:t>
             </a:fld>
             <a:endParaRPr lang="es-ES"/>
           </a:p>
@@ -417,7 +417,7 @@
             <a:fld id="{D23D6ABD-B407-4DBB-94E4-3909D8A64036}" type="datetimeFigureOut">
               <a:rPr lang="es-ES" smtClean="0"/>
               <a:pPr/>
-              <a:t>28/02/2019</a:t>
+              <a:t>12/03/2019</a:t>
             </a:fld>
             <a:endParaRPr lang="es-ES"/>
           </a:p>
@@ -5376,7 +5376,7 @@
             </a:pPr>
             <a:r>
               <a:rPr lang="es-PE" dirty="0"/>
-              <a:t>Lunes 11/03 y </a:t>
+              <a:t>Lunes 18/03 y </a:t>
             </a:r>
             <a:r>
               <a:rPr lang="es-PE" dirty="0" err="1"/>
@@ -5384,7 +5384,7 @@
             </a:r>
             <a:r>
               <a:rPr lang="es-PE" dirty="0"/>
-              <a:t> 13/03 de 19:00 </a:t>
+              <a:t> 20/03 de 19:00 </a:t>
             </a:r>
             <a:r>
               <a:rPr lang="es-PE" dirty="0" err="1"/>
@@ -5401,12 +5401,12 @@
               <a:buChar char="•"/>
             </a:pPr>
             <a:r>
+              <a:rPr lang="es-PE"/>
+              <a:t>Viernes 22/03 </a:t>
+            </a:r>
+            <a:r>
               <a:rPr lang="es-PE" dirty="0"/>
-              <a:t>Viernes 15/03 de </a:t>
-            </a:r>
-            <a:r>
-              <a:rPr lang="es-PE" dirty="0" smtClean="0"/>
-              <a:t>17:00 </a:t>
+              <a:t>de 17:00 </a:t>
             </a:r>
             <a:r>
               <a:rPr lang="es-PE" dirty="0" err="1"/>
@@ -5414,17 +5414,8 @@
             </a:r>
             <a:r>
               <a:rPr lang="es-PE" dirty="0"/>
-              <a:t> hasta </a:t>
-            </a:r>
-            <a:r>
-              <a:rPr lang="es-PE"/>
-              <a:t>las </a:t>
-            </a:r>
-            <a:r>
-              <a:rPr lang="es-PE" smtClean="0"/>
-              <a:t>20:00hras</a:t>
-            </a:r>
-            <a:endParaRPr lang="es-PE" dirty="0"/>
+              <a:t> hasta las 20:00hras</a:t>
+            </a:r>
           </a:p>
           <a:p>
             <a:pPr algn="just"/>

--- a/1. Lectures/Introducción a la Optimización aplicada a Sistemas de Energía Eléctrica/Dia 1/1. Presentación.pptx
+++ b/1. Lectures/Introducción a la Optimización aplicada a Sistemas de Energía Eléctrica/Dia 1/1. Presentación.pptx
@@ -246,7 +246,7 @@
             <a:fld id="{20597DA6-5F4F-42D3-8A01-E860A9714D40}" type="datetimeFigureOut">
               <a:rPr lang="es-ES" smtClean="0"/>
               <a:pPr/>
-              <a:t>12/03/2019</a:t>
+              <a:t>14/03/2019</a:t>
             </a:fld>
             <a:endParaRPr lang="es-ES"/>
           </a:p>
@@ -417,7 +417,7 @@
             <a:fld id="{D23D6ABD-B407-4DBB-94E4-3909D8A64036}" type="datetimeFigureOut">
               <a:rPr lang="es-ES" smtClean="0"/>
               <a:pPr/>
-              <a:t>12/03/2019</a:t>
+              <a:t>14/03/2019</a:t>
             </a:fld>
             <a:endParaRPr lang="es-ES"/>
           </a:p>
@@ -6167,19 +6167,7 @@
               <a:rPr lang="es-PE" sz="2400" dirty="0">
                 <a:cs typeface="Calibri" panose="020F0502020204030204" pitchFamily="34" charset="0"/>
               </a:rPr>
-              <a:t>: GLPK, IPOPT, CPLEX y </a:t>
-            </a:r>
-            <a:r>
-              <a:rPr lang="es-PE" sz="2400" dirty="0" err="1">
-                <a:cs typeface="Calibri" panose="020F0502020204030204" pitchFamily="34" charset="0"/>
-              </a:rPr>
-              <a:t>Mosek</a:t>
-            </a:r>
-            <a:r>
-              <a:rPr lang="es-PE" sz="2400" dirty="0">
-                <a:cs typeface="Calibri" panose="020F0502020204030204" pitchFamily="34" charset="0"/>
-              </a:rPr>
-              <a:t>.</a:t>
+              <a:t>: GLPK &amp; IPOPT.</a:t>
             </a:r>
           </a:p>
         </p:txBody>
